--- a/assets/media/1.pptx
+++ b/assets/media/1.pptx
@@ -259,7 +259,7 @@
           <a:p>
             <a:fld id="{48263857-8AEE-4940-8138-A105549C7834}" type="datetimeFigureOut">
               <a:rPr lang="zh-CN" altLang="en-US" smtClean="0"/>
-              <a:t>2023/9/2</a:t>
+              <a:t>2023/11/12</a:t>
             </a:fld>
             <a:endParaRPr lang="zh-CN" altLang="en-US"/>
           </a:p>
@@ -457,7 +457,7 @@
           <a:p>
             <a:fld id="{48263857-8AEE-4940-8138-A105549C7834}" type="datetimeFigureOut">
               <a:rPr lang="zh-CN" altLang="en-US" smtClean="0"/>
-              <a:t>2023/9/2</a:t>
+              <a:t>2023/11/12</a:t>
             </a:fld>
             <a:endParaRPr lang="zh-CN" altLang="en-US"/>
           </a:p>
@@ -665,7 +665,7 @@
           <a:p>
             <a:fld id="{48263857-8AEE-4940-8138-A105549C7834}" type="datetimeFigureOut">
               <a:rPr lang="zh-CN" altLang="en-US" smtClean="0"/>
-              <a:t>2023/9/2</a:t>
+              <a:t>2023/11/12</a:t>
             </a:fld>
             <a:endParaRPr lang="zh-CN" altLang="en-US"/>
           </a:p>
@@ -863,7 +863,7 @@
           <a:p>
             <a:fld id="{48263857-8AEE-4940-8138-A105549C7834}" type="datetimeFigureOut">
               <a:rPr lang="zh-CN" altLang="en-US" smtClean="0"/>
-              <a:t>2023/9/2</a:t>
+              <a:t>2023/11/12</a:t>
             </a:fld>
             <a:endParaRPr lang="zh-CN" altLang="en-US"/>
           </a:p>
@@ -1138,7 +1138,7 @@
           <a:p>
             <a:fld id="{48263857-8AEE-4940-8138-A105549C7834}" type="datetimeFigureOut">
               <a:rPr lang="zh-CN" altLang="en-US" smtClean="0"/>
-              <a:t>2023/9/2</a:t>
+              <a:t>2023/11/12</a:t>
             </a:fld>
             <a:endParaRPr lang="zh-CN" altLang="en-US"/>
           </a:p>
@@ -1403,7 +1403,7 @@
           <a:p>
             <a:fld id="{48263857-8AEE-4940-8138-A105549C7834}" type="datetimeFigureOut">
               <a:rPr lang="zh-CN" altLang="en-US" smtClean="0"/>
-              <a:t>2023/9/2</a:t>
+              <a:t>2023/11/12</a:t>
             </a:fld>
             <a:endParaRPr lang="zh-CN" altLang="en-US"/>
           </a:p>
@@ -1815,7 +1815,7 @@
           <a:p>
             <a:fld id="{48263857-8AEE-4940-8138-A105549C7834}" type="datetimeFigureOut">
               <a:rPr lang="zh-CN" altLang="en-US" smtClean="0"/>
-              <a:t>2023/9/2</a:t>
+              <a:t>2023/11/12</a:t>
             </a:fld>
             <a:endParaRPr lang="zh-CN" altLang="en-US"/>
           </a:p>
@@ -1956,7 +1956,7 @@
           <a:p>
             <a:fld id="{48263857-8AEE-4940-8138-A105549C7834}" type="datetimeFigureOut">
               <a:rPr lang="zh-CN" altLang="en-US" smtClean="0"/>
-              <a:t>2023/9/2</a:t>
+              <a:t>2023/11/12</a:t>
             </a:fld>
             <a:endParaRPr lang="zh-CN" altLang="en-US"/>
           </a:p>
@@ -2069,7 +2069,7 @@
           <a:p>
             <a:fld id="{48263857-8AEE-4940-8138-A105549C7834}" type="datetimeFigureOut">
               <a:rPr lang="zh-CN" altLang="en-US" smtClean="0"/>
-              <a:t>2023/9/2</a:t>
+              <a:t>2023/11/12</a:t>
             </a:fld>
             <a:endParaRPr lang="zh-CN" altLang="en-US"/>
           </a:p>
@@ -2380,7 +2380,7 @@
           <a:p>
             <a:fld id="{48263857-8AEE-4940-8138-A105549C7834}" type="datetimeFigureOut">
               <a:rPr lang="zh-CN" altLang="en-US" smtClean="0"/>
-              <a:t>2023/9/2</a:t>
+              <a:t>2023/11/12</a:t>
             </a:fld>
             <a:endParaRPr lang="zh-CN" altLang="en-US"/>
           </a:p>
@@ -2668,7 +2668,7 @@
           <a:p>
             <a:fld id="{48263857-8AEE-4940-8138-A105549C7834}" type="datetimeFigureOut">
               <a:rPr lang="zh-CN" altLang="en-US" smtClean="0"/>
-              <a:t>2023/9/2</a:t>
+              <a:t>2023/11/12</a:t>
             </a:fld>
             <a:endParaRPr lang="zh-CN" altLang="en-US"/>
           </a:p>
@@ -2909,7 +2909,7 @@
           <a:p>
             <a:fld id="{48263857-8AEE-4940-8138-A105549C7834}" type="datetimeFigureOut">
               <a:rPr lang="zh-CN" altLang="en-US" smtClean="0"/>
-              <a:t>2023/9/2</a:t>
+              <a:t>2023/11/12</a:t>
             </a:fld>
             <a:endParaRPr lang="zh-CN" altLang="en-US"/>
           </a:p>
@@ -3328,42 +3328,6 @@
       </p:grpSpPr>
       <p:pic>
         <p:nvPicPr>
-          <p:cNvPr id="7" name="图片 6" descr="图标&#10;&#10;描述已自动生成">
-            <a:extLst>
-              <a:ext uri="{FF2B5EF4-FFF2-40B4-BE49-F238E27FC236}">
-                <a16:creationId xmlns:a16="http://schemas.microsoft.com/office/drawing/2014/main" id="{81C1A45F-738B-0BC0-1E52-611D015806A2}"/>
-              </a:ext>
-            </a:extLst>
-          </p:cNvPr>
-          <p:cNvPicPr>
-            <a:picLocks noChangeAspect="1"/>
-          </p:cNvPicPr>
-          <p:nvPr/>
-        </p:nvPicPr>
-        <p:blipFill>
-          <a:blip r:embed="rId2">
-            <a:extLst>
-              <a:ext uri="{28A0092B-C50C-407E-A947-70E740481C1C}">
-                <a14:useLocalDpi xmlns:a14="http://schemas.microsoft.com/office/drawing/2010/main" val="0"/>
-              </a:ext>
-            </a:extLst>
-          </a:blip>
-          <a:stretch>
-            <a:fillRect/>
-          </a:stretch>
-        </p:blipFill>
-        <p:spPr>
-          <a:xfrm>
-            <a:off x="1123950" y="2808684"/>
-            <a:ext cx="1885950" cy="1060847"/>
-          </a:xfrm>
-          <a:prstGeom prst="rect">
-            <a:avLst/>
-          </a:prstGeom>
-        </p:spPr>
-      </p:pic>
-      <p:pic>
-        <p:nvPicPr>
           <p:cNvPr id="1026" name="Picture 2" descr="The Hong Kong Polytechnic University (PolyU)">
             <a:extLst>
               <a:ext uri="{FF2B5EF4-FFF2-40B4-BE49-F238E27FC236}">
@@ -3377,7 +3341,7 @@
           <p:nvPr/>
         </p:nvPicPr>
         <p:blipFill>
-          <a:blip r:embed="rId3">
+          <a:blip r:embed="rId2">
             <a:extLst>
               <a:ext uri="{28A0092B-C50C-407E-A947-70E740481C1C}">
                 <a14:useLocalDpi xmlns:a14="http://schemas.microsoft.com/office/drawing/2010/main" val="0"/>
@@ -3424,7 +3388,7 @@
           <p:nvPr/>
         </p:nvPicPr>
         <p:blipFill>
-          <a:blip r:embed="rId4">
+          <a:blip r:embed="rId3">
             <a:extLst>
               <a:ext uri="{28A0092B-C50C-407E-A947-70E740481C1C}">
                 <a14:useLocalDpi xmlns:a14="http://schemas.microsoft.com/office/drawing/2010/main" val="0"/>
@@ -3454,6 +3418,42 @@
               </a14:hiddenFill>
             </a:ext>
           </a:extLst>
+        </p:spPr>
+      </p:pic>
+      <p:pic>
+        <p:nvPicPr>
+          <p:cNvPr id="3" name="图片 2" descr="徽标, 公司名称&#10;&#10;描述已自动生成">
+            <a:extLst>
+              <a:ext uri="{FF2B5EF4-FFF2-40B4-BE49-F238E27FC236}">
+                <a16:creationId xmlns:a16="http://schemas.microsoft.com/office/drawing/2014/main" id="{10D4E3F0-A777-4F69-339F-F146DF5697B5}"/>
+              </a:ext>
+            </a:extLst>
+          </p:cNvPr>
+          <p:cNvPicPr>
+            <a:picLocks noChangeAspect="1"/>
+          </p:cNvPicPr>
+          <p:nvPr/>
+        </p:nvPicPr>
+        <p:blipFill>
+          <a:blip r:embed="rId4">
+            <a:extLst>
+              <a:ext uri="{28A0092B-C50C-407E-A947-70E740481C1C}">
+                <a14:useLocalDpi xmlns:a14="http://schemas.microsoft.com/office/drawing/2010/main" val="0"/>
+              </a:ext>
+            </a:extLst>
+          </a:blip>
+          <a:stretch>
+            <a:fillRect/>
+          </a:stretch>
+        </p:blipFill>
+        <p:spPr>
+          <a:xfrm>
+            <a:off x="590475" y="2843772"/>
+            <a:ext cx="2519082" cy="954496"/>
+          </a:xfrm>
+          <a:prstGeom prst="rect">
+            <a:avLst/>
+          </a:prstGeom>
         </p:spPr>
       </p:pic>
     </p:spTree>
